--- a/papers/oopsla18/figures/PPTX.pptx
+++ b/papers/oopsla18/figures/PPTX.pptx
@@ -221,7 +221,7 @@
           <a:p>
             <a:fld id="{08BBBA21-0F57-9C49-924A-128DE27BA9E4}" type="datetimeFigureOut">
               <a:rPr lang="en-US" smtClean="0"/>
-              <a:t>12/7/17</a:t>
+              <a:t>4/8/18</a:t>
             </a:fld>
             <a:endParaRPr lang="en-US"/>
           </a:p>
@@ -386,7 +386,7 @@
           <a:p>
             <a:fld id="{75C46ED2-2B70-3C4C-98F5-415359DDD016}" type="datetimeFigureOut">
               <a:rPr lang="en-US" smtClean="0"/>
-              <a:t>12/7/17</a:t>
+              <a:t>4/8/18</a:t>
             </a:fld>
             <a:endParaRPr lang="en-US"/>
           </a:p>
@@ -969,7 +969,7 @@
           <a:p>
             <a:fld id="{A18008DE-A5BD-1A4D-BE02-A2D386CD06E1}" type="datetime1">
               <a:rPr lang="en-US" smtClean="0"/>
-              <a:t>12/7/17</a:t>
+              <a:t>4/8/18</a:t>
             </a:fld>
             <a:endParaRPr lang="en-US" dirty="0"/>
           </a:p>
@@ -1184,7 +1184,7 @@
           <a:p>
             <a:fld id="{B5EF32DE-D90A-E642-825B-9FCF342A1162}" type="datetime1">
               <a:rPr lang="en-US" smtClean="0"/>
-              <a:t>12/7/17</a:t>
+              <a:t>4/8/18</a:t>
             </a:fld>
             <a:endParaRPr lang="en-US" dirty="0"/>
           </a:p>
@@ -1440,7 +1440,7 @@
           <a:p>
             <a:fld id="{649457DE-9EBF-9143-9795-82CF17B445CF}" type="datetime1">
               <a:rPr lang="en-US" smtClean="0"/>
-              <a:t>12/7/17</a:t>
+              <a:t>4/8/18</a:t>
             </a:fld>
             <a:endParaRPr lang="en-US" dirty="0"/>
           </a:p>
@@ -1610,7 +1610,7 @@
           <a:p>
             <a:fld id="{7E4AD076-CDF7-4841-9CF3-620EFF685EAB}" type="datetime1">
               <a:rPr lang="en-US" smtClean="0"/>
-              <a:t>12/7/17</a:t>
+              <a:t>4/8/18</a:t>
             </a:fld>
             <a:endParaRPr lang="en-US" dirty="0"/>
           </a:p>
@@ -1952,7 +1952,7 @@
           <a:p>
             <a:fld id="{16C45E72-1BE8-A94C-BF6B-032E4F2535B3}" type="datetime1">
               <a:rPr lang="en-US" smtClean="0"/>
-              <a:t>12/7/17</a:t>
+              <a:t>4/8/18</a:t>
             </a:fld>
             <a:endParaRPr lang="en-US" dirty="0"/>
           </a:p>
@@ -2234,7 +2234,7 @@
           <a:p>
             <a:fld id="{CA818A7F-B86F-9945-B15E-388AD4BBA3D3}" type="datetime1">
               <a:rPr lang="en-US" smtClean="0"/>
-              <a:t>12/7/17</a:t>
+              <a:t>4/8/18</a:t>
             </a:fld>
             <a:endParaRPr lang="en-US" dirty="0"/>
           </a:p>
@@ -2613,7 +2613,7 @@
           <a:p>
             <a:fld id="{449BACD9-798F-8046-8DD3-8C57872F4D86}" type="datetime1">
               <a:rPr lang="en-US" smtClean="0"/>
-              <a:t>12/7/17</a:t>
+              <a:t>4/8/18</a:t>
             </a:fld>
             <a:endParaRPr lang="en-US" dirty="0"/>
           </a:p>
@@ -2731,7 +2731,7 @@
           <a:p>
             <a:fld id="{C0BAA555-D64D-5D4F-B88B-991D46536871}" type="datetime1">
               <a:rPr lang="en-US" smtClean="0"/>
-              <a:t>12/7/17</a:t>
+              <a:t>4/8/18</a:t>
             </a:fld>
             <a:endParaRPr lang="en-US" dirty="0"/>
           </a:p>
@@ -2902,7 +2902,7 @@
           <a:p>
             <a:fld id="{8DD526EF-721E-8D4D-91F5-EE7274AB8C33}" type="datetime1">
               <a:rPr lang="en-US" smtClean="0"/>
-              <a:t>12/7/17</a:t>
+              <a:t>4/8/18</a:t>
             </a:fld>
             <a:endParaRPr lang="en-US" dirty="0"/>
           </a:p>
@@ -3257,7 +3257,7 @@
           <a:p>
             <a:fld id="{CE800D8A-A16B-9B41-8621-0296007FF8D5}" type="datetime1">
               <a:rPr lang="en-US" smtClean="0"/>
-              <a:t>12/7/17</a:t>
+              <a:t>4/8/18</a:t>
             </a:fld>
             <a:endParaRPr lang="en-US" dirty="0"/>
           </a:p>
@@ -3639,7 +3639,7 @@
           <a:p>
             <a:fld id="{476E1EC5-8A6D-F345-ABD7-850C85428ACA}" type="datetime1">
               <a:rPr lang="en-US" smtClean="0"/>
-              <a:t>12/7/17</a:t>
+              <a:t>4/8/18</a:t>
             </a:fld>
             <a:endParaRPr lang="en-US" dirty="0"/>
           </a:p>
@@ -3929,7 +3929,7 @@
           <a:p>
             <a:fld id="{B7CBA48C-7BBF-7B43-B67E-1BF36C07B050}" type="datetime1">
               <a:rPr lang="en-US" smtClean="0"/>
-              <a:t>12/7/17</a:t>
+              <a:t>4/8/18</a:t>
             </a:fld>
             <a:endParaRPr lang="en-US" dirty="0"/>
           </a:p>
@@ -11603,8 +11603,8 @@
         </p:nvSpPr>
         <p:spPr>
           <a:xfrm>
-            <a:off x="4612415" y="1950047"/>
-            <a:ext cx="4662935" cy="2904861"/>
+            <a:off x="4612415" y="2080360"/>
+            <a:ext cx="4755194" cy="2543549"/>
           </a:xfrm>
           <a:prstGeom prst="roundRect">
             <a:avLst/>
@@ -12021,40 +12021,33 @@
       </p:cxnSp>
       <p:sp>
         <p:nvSpPr>
-          <p:cNvPr id="10" name="Oval 9"/>
+          <p:cNvPr id="12" name="Oval 11"/>
           <p:cNvSpPr/>
           <p:nvPr/>
         </p:nvSpPr>
         <p:spPr>
           <a:xfrm>
-            <a:off x="6718927" y="2069996"/>
-            <a:ext cx="2347910" cy="869672"/>
+            <a:off x="6597482" y="2643158"/>
+            <a:ext cx="2590800" cy="1095718"/>
           </a:xfrm>
           <a:prstGeom prst="ellipse">
             <a:avLst/>
           </a:prstGeom>
           <a:solidFill>
-            <a:srgbClr val="FFC000">
-              <a:lumMod val="20000"/>
-              <a:lumOff val="80000"/>
+            <a:srgbClr val="EDB4B7">
+              <a:alpha val="50000"/>
             </a:srgbClr>
           </a:solidFill>
           <a:ln w="6350" cap="flat" cmpd="sng" algn="ctr">
             <a:solidFill>
-              <a:srgbClr val="4472C4">
-                <a:shade val="50000"/>
+              <a:srgbClr val="C00000">
+                <a:alpha val="50000"/>
               </a:srgbClr>
             </a:solidFill>
             <a:prstDash val="solid"/>
             <a:miter lim="800000"/>
           </a:ln>
-          <a:effectLst>
-            <a:outerShdw blurRad="50800" dist="25400" dir="2700000" algn="tl" rotWithShape="0">
-              <a:prstClr val="black">
-                <a:alpha val="40000"/>
-              </a:prstClr>
-            </a:outerShdw>
-          </a:effectLst>
+          <a:effectLst/>
         </p:spPr>
         <p:txBody>
           <a:bodyPr rtlCol="0" anchor="ctr"/>
@@ -12094,108 +12087,6 @@
               </a:rPr>
               <a:t>Rosette</a:t>
             </a:r>
-            <a:r>
-              <a:rPr kumimoji="0" lang="en-US" sz="1500" b="0" i="0" u="none" strike="noStrike" kern="0" cap="small" spc="0" normalizeH="0" noProof="0" dirty="0" smtClean="0">
-                <a:ln>
-                  <a:noFill/>
-                </a:ln>
-                <a:solidFill>
-                  <a:prstClr val="black"/>
-                </a:solidFill>
-                <a:effectLst/>
-                <a:uLnTx/>
-                <a:uFillTx/>
-                <a:latin typeface="Calibri" panose="020F0502020204030204"/>
-                <a:ea typeface=""/>
-                <a:cs typeface=""/>
-              </a:rPr>
-              <a:t> implementations of built-in functions</a:t>
-            </a:r>
-            <a:endParaRPr kumimoji="0" lang="en-US" sz="1500" b="0" i="0" u="none" strike="noStrike" kern="0" cap="small" spc="0" normalizeH="0" baseline="0" noProof="0" dirty="0" smtClean="0">
-              <a:ln>
-                <a:noFill/>
-              </a:ln>
-              <a:solidFill>
-                <a:prstClr val="black"/>
-              </a:solidFill>
-              <a:effectLst/>
-              <a:uLnTx/>
-              <a:uFillTx/>
-              <a:latin typeface="Calibri" panose="020F0502020204030204"/>
-              <a:ea typeface=""/>
-              <a:cs typeface=""/>
-            </a:endParaRPr>
-          </a:p>
-        </p:txBody>
-      </p:sp>
-      <p:sp>
-        <p:nvSpPr>
-          <p:cNvPr id="12" name="Oval 11"/>
-          <p:cNvSpPr/>
-          <p:nvPr/>
-        </p:nvSpPr>
-        <p:spPr>
-          <a:xfrm>
-            <a:off x="6597482" y="3262073"/>
-            <a:ext cx="2590800" cy="1095718"/>
-          </a:xfrm>
-          <a:prstGeom prst="ellipse">
-            <a:avLst/>
-          </a:prstGeom>
-          <a:solidFill>
-            <a:srgbClr val="EDB4B7">
-              <a:alpha val="50000"/>
-            </a:srgbClr>
-          </a:solidFill>
-          <a:ln w="6350" cap="flat" cmpd="sng" algn="ctr">
-            <a:solidFill>
-              <a:srgbClr val="C00000">
-                <a:alpha val="50000"/>
-              </a:srgbClr>
-            </a:solidFill>
-            <a:prstDash val="solid"/>
-            <a:miter lim="800000"/>
-          </a:ln>
-          <a:effectLst/>
-        </p:spPr>
-        <p:txBody>
-          <a:bodyPr rtlCol="0" anchor="ctr"/>
-          <a:lstStyle/>
-          <a:p>
-            <a:pPr marL="0" marR="0" lvl="0" indent="0" algn="ctr" defTabSz="914400" eaLnBrk="1" fontAlgn="auto" latinLnBrk="0" hangingPunct="1">
-              <a:lnSpc>
-                <a:spcPct val="100000"/>
-              </a:lnSpc>
-              <a:spcBef>
-                <a:spcPts val="0"/>
-              </a:spcBef>
-              <a:spcAft>
-                <a:spcPts val="0"/>
-              </a:spcAft>
-              <a:buClrTx/>
-              <a:buSzTx/>
-              <a:buFontTx/>
-              <a:buNone/>
-              <a:tabLst/>
-              <a:defRPr/>
-            </a:pPr>
-            <a:r>
-              <a:rPr kumimoji="0" lang="en-US" sz="1500" b="0" i="0" u="none" strike="noStrike" kern="0" cap="small" spc="0" normalizeH="0" baseline="0" noProof="0" dirty="0" smtClean="0">
-                <a:ln>
-                  <a:noFill/>
-                </a:ln>
-                <a:solidFill>
-                  <a:prstClr val="black"/>
-                </a:solidFill>
-                <a:effectLst/>
-                <a:uLnTx/>
-                <a:uFillTx/>
-                <a:latin typeface="Calibri" panose="020F0502020204030204"/>
-                <a:ea typeface=""/>
-                <a:cs typeface=""/>
-              </a:rPr>
-              <a:t>Rosette</a:t>
-            </a:r>
           </a:p>
           <a:p>
             <a:pPr marL="0" marR="0" lvl="0" indent="0" algn="ctr" defTabSz="914400" eaLnBrk="1" fontAlgn="auto" latinLnBrk="0" hangingPunct="1">
@@ -12333,7 +12224,7 @@
         </p:nvSpPr>
         <p:spPr>
           <a:xfrm>
-            <a:off x="6856975" y="3561612"/>
+            <a:off x="6856975" y="2938704"/>
             <a:ext cx="2071814" cy="796179"/>
           </a:xfrm>
           <a:prstGeom prst="ellipse">
@@ -12414,12 +12305,12 @@
         </p:nvCxnSpPr>
         <p:spPr>
           <a:xfrm flipV="1">
-            <a:off x="6396982" y="3959702"/>
-            <a:ext cx="459993" cy="207132"/>
+            <a:off x="6396982" y="3336794"/>
+            <a:ext cx="459993" cy="830040"/>
           </a:xfrm>
           <a:prstGeom prst="bentConnector3">
             <a:avLst>
-              <a:gd name="adj1" fmla="val 24826"/>
+              <a:gd name="adj1" fmla="val 50000"/>
             </a:avLst>
           </a:prstGeom>
           <a:noFill/>
@@ -12442,7 +12333,7 @@
         </p:nvSpPr>
         <p:spPr>
           <a:xfrm>
-            <a:off x="6842001" y="4589777"/>
+            <a:off x="6842001" y="3978848"/>
             <a:ext cx="2101762" cy="215444"/>
           </a:xfrm>
           <a:prstGeom prst="rect">
@@ -12489,37 +12380,6 @@
       </p:sp>
       <p:cxnSp>
         <p:nvCxnSpPr>
-          <p:cNvPr id="17" name="Curved Connector 46"/>
-          <p:cNvCxnSpPr>
-            <a:stCxn id="10" idx="4"/>
-            <a:endCxn id="13" idx="7"/>
-          </p:cNvCxnSpPr>
-          <p:nvPr/>
-        </p:nvCxnSpPr>
-        <p:spPr>
-          <a:xfrm rot="16200000" flipH="1">
-            <a:off x="7889859" y="2942690"/>
-            <a:ext cx="738542" cy="732497"/>
-          </a:xfrm>
-          <a:prstGeom prst="bentConnector3">
-            <a:avLst>
-              <a:gd name="adj1" fmla="val 24006"/>
-            </a:avLst>
-          </a:prstGeom>
-          <a:noFill/>
-          <a:ln w="12700" cap="flat" cmpd="sng" algn="ctr">
-            <a:solidFill>
-              <a:srgbClr val="4472C4"/>
-            </a:solidFill>
-            <a:prstDash val="solid"/>
-            <a:miter lim="800000"/>
-            <a:tailEnd type="triangle"/>
-          </a:ln>
-          <a:effectLst/>
-        </p:spPr>
-      </p:cxnSp>
-      <p:cxnSp>
-        <p:nvCxnSpPr>
           <p:cNvPr id="678" name="Curved Connector 18"/>
           <p:cNvCxnSpPr>
             <a:stCxn id="13" idx="4"/>
@@ -12529,8 +12389,8 @@
         </p:nvCxnSpPr>
         <p:spPr>
           <a:xfrm>
-            <a:off x="7892882" y="4357791"/>
-            <a:ext cx="0" cy="231986"/>
+            <a:off x="7892882" y="3734883"/>
+            <a:ext cx="0" cy="243965"/>
           </a:xfrm>
           <a:prstGeom prst="straightConnector1">
             <a:avLst/>

--- a/papers/oopsla18/figures/PPTX.pptx
+++ b/papers/oopsla18/figures/PPTX.pptx
@@ -11603,8 +11603,8 @@
         </p:nvSpPr>
         <p:spPr>
           <a:xfrm>
-            <a:off x="4612415" y="2080360"/>
-            <a:ext cx="4755194" cy="2543549"/>
+            <a:off x="4612415" y="2100325"/>
+            <a:ext cx="4391830" cy="2508243"/>
           </a:xfrm>
           <a:prstGeom prst="roundRect">
             <a:avLst/>
@@ -12027,8 +12027,8 @@
         </p:nvSpPr>
         <p:spPr>
           <a:xfrm>
-            <a:off x="6597482" y="2643158"/>
-            <a:ext cx="2590800" cy="1095718"/>
+            <a:off x="6668333" y="2643158"/>
+            <a:ext cx="2212488" cy="1095718"/>
           </a:xfrm>
           <a:prstGeom prst="ellipse">
             <a:avLst/>
@@ -12224,8 +12224,8 @@
         </p:nvSpPr>
         <p:spPr>
           <a:xfrm>
-            <a:off x="6856975" y="2938704"/>
-            <a:ext cx="2071814" cy="796179"/>
+            <a:off x="6911907" y="2938704"/>
+            <a:ext cx="1713414" cy="796179"/>
           </a:xfrm>
           <a:prstGeom prst="ellipse">
             <a:avLst/>
@@ -12306,7 +12306,7 @@
         <p:spPr>
           <a:xfrm flipV="1">
             <a:off x="6396982" y="3336794"/>
-            <a:ext cx="459993" cy="830040"/>
+            <a:ext cx="514925" cy="830040"/>
           </a:xfrm>
           <a:prstGeom prst="bentConnector3">
             <a:avLst>
@@ -12333,7 +12333,7 @@
         </p:nvSpPr>
         <p:spPr>
           <a:xfrm>
-            <a:off x="6842001" y="3978848"/>
+            <a:off x="6718218" y="3978848"/>
             <a:ext cx="2101762" cy="215444"/>
           </a:xfrm>
           <a:prstGeom prst="rect">
@@ -12389,8 +12389,8 @@
         </p:nvCxnSpPr>
         <p:spPr>
           <a:xfrm>
-            <a:off x="7892882" y="3734883"/>
-            <a:ext cx="0" cy="243965"/>
+            <a:off x="7768614" y="3734883"/>
+            <a:ext cx="485" cy="243965"/>
           </a:xfrm>
           <a:prstGeom prst="straightConnector1">
             <a:avLst/>

--- a/papers/oopsla18/figures/PPTX.pptx
+++ b/papers/oopsla18/figures/PPTX.pptx
@@ -5,15 +5,16 @@
     <p:sldMasterId id="2147483661" r:id="rId1"/>
   </p:sldMasterIdLst>
   <p:notesMasterIdLst>
-    <p:notesMasterId r:id="rId5"/>
+    <p:notesMasterId r:id="rId6"/>
   </p:notesMasterIdLst>
   <p:handoutMasterIdLst>
-    <p:handoutMasterId r:id="rId6"/>
+    <p:handoutMasterId r:id="rId7"/>
   </p:handoutMasterIdLst>
   <p:sldIdLst>
     <p:sldId id="374" r:id="rId2"/>
     <p:sldId id="375" r:id="rId3"/>
     <p:sldId id="376" r:id="rId4"/>
+    <p:sldId id="377" r:id="rId5"/>
   </p:sldIdLst>
   <p:sldSz cx="12188825" cy="6858000"/>
   <p:notesSz cx="9144000" cy="6858000"/>
@@ -12411,6 +12412,1532 @@
     <p:extLst>
       <p:ext uri="{BB962C8B-B14F-4D97-AF65-F5344CB8AC3E}">
         <p14:creationId xmlns:p14="http://schemas.microsoft.com/office/powerpoint/2010/main" val="2096966372"/>
+      </p:ext>
+    </p:extLst>
+  </p:cSld>
+  <p:clrMapOvr>
+    <a:masterClrMapping/>
+  </p:clrMapOvr>
+</p:sld>
+</file>
+
+<file path=ppt/slides/slide4.xml><?xml version="1.0" encoding="utf-8"?>
+<p:sld xmlns:a="http://schemas.openxmlformats.org/drawingml/2006/main" xmlns:r="http://schemas.openxmlformats.org/officeDocument/2006/relationships" xmlns:p="http://schemas.openxmlformats.org/presentationml/2006/main">
+  <p:cSld>
+    <p:spTree>
+      <p:nvGrpSpPr>
+        <p:cNvPr id="1" name=""/>
+        <p:cNvGrpSpPr/>
+        <p:nvPr/>
+      </p:nvGrpSpPr>
+      <p:grpSpPr>
+        <a:xfrm>
+          <a:off x="0" y="0"/>
+          <a:ext cx="0" cy="0"/>
+          <a:chOff x="0" y="0"/>
+          <a:chExt cx="0" cy="0"/>
+        </a:xfrm>
+      </p:grpSpPr>
+      <p:graphicFrame>
+        <p:nvGraphicFramePr>
+          <p:cNvPr id="4" name="Content Placeholder 3"/>
+          <p:cNvGraphicFramePr>
+            <a:graphicFrameLocks noGrp="1"/>
+          </p:cNvGraphicFramePr>
+          <p:nvPr>
+            <p:ph idx="1"/>
+            <p:extLst>
+              <p:ext uri="{D42A27DB-BD31-4B8C-83A1-F6EECF244321}">
+                <p14:modId xmlns:p14="http://schemas.microsoft.com/office/powerpoint/2010/main" val="650060556"/>
+              </p:ext>
+            </p:extLst>
+          </p:nvPr>
+        </p:nvGraphicFramePr>
+        <p:xfrm>
+          <a:off x="368830" y="313796"/>
+          <a:ext cx="10055226" cy="3341520"/>
+        </p:xfrm>
+        <a:graphic>
+          <a:graphicData uri="http://schemas.openxmlformats.org/drawingml/2006/table">
+            <a:tbl>
+              <a:tblPr firstRow="1" bandRow="1">
+                <a:tableStyleId>{2D5ABB26-0587-4C30-8999-92F81FD0307C}</a:tableStyleId>
+              </a:tblPr>
+              <a:tblGrid>
+                <a:gridCol w="486304"/>
+                <a:gridCol w="9568922"/>
+              </a:tblGrid>
+              <a:tr h="177271">
+                <a:tc>
+                  <a:txBody>
+                    <a:bodyPr/>
+                    <a:lstStyle/>
+                    <a:p>
+                      <a:pPr algn="r"/>
+                      <a:r>
+                        <a:rPr lang="en-US" sz="1000">
+                          <a:solidFill>
+                            <a:srgbClr val="01518B"/>
+                          </a:solidFill>
+                          <a:latin typeface="Courier" charset="0"/>
+                          <a:ea typeface="Courier" charset="0"/>
+                          <a:cs typeface="Courier" charset="0"/>
+                        </a:rPr>
+                        <a:t>1</a:t>
+                      </a:r>
+                    </a:p>
+                  </a:txBody>
+                  <a:tcPr marL="54000" marR="54000" marT="27000" marB="28800" anchor="ctr">
+                    <a:lnL>
+                      <a:noFill/>
+                    </a:lnL>
+                    <a:lnR>
+                      <a:noFill/>
+                    </a:lnR>
+                    <a:lnT>
+                      <a:noFill/>
+                    </a:lnT>
+                    <a:lnB>
+                      <a:noFill/>
+                    </a:lnB>
+                    <a:lnTlToBr w="12700" cmpd="sng">
+                      <a:noFill/>
+                      <a:prstDash val="solid"/>
+                    </a:lnTlToBr>
+                    <a:lnBlToTr w="12700" cmpd="sng">
+                      <a:noFill/>
+                      <a:prstDash val="solid"/>
+                    </a:lnBlToTr>
+                  </a:tcPr>
+                </a:tc>
+                <a:tc>
+                  <a:txBody>
+                    <a:bodyPr/>
+                    <a:lstStyle/>
+                    <a:p>
+                      <a:r>
+                        <a:rPr lang="en-US" sz="1200">
+                          <a:solidFill>
+                            <a:srgbClr val="7030A0"/>
+                          </a:solidFill>
+                          <a:latin typeface="Courier" charset="0"/>
+                          <a:ea typeface="Courier" charset="0"/>
+                          <a:cs typeface="Courier" charset="0"/>
+                        </a:rPr>
+                        <a:t>function</a:t>
+                      </a:r>
+                      <a:r>
+                        <a:rPr lang="en-US" sz="1200">
+                          <a:latin typeface="Courier" charset="0"/>
+                          <a:ea typeface="Courier" charset="0"/>
+                          <a:cs typeface="Courier" charset="0"/>
+                        </a:rPr>
+                        <a:t> Map () { </a:t>
+                      </a:r>
+                      <a:r>
+                        <a:rPr lang="en-US" sz="1200">
+                          <a:solidFill>
+                            <a:srgbClr val="0070C0"/>
+                          </a:solidFill>
+                          <a:latin typeface="Courier" charset="0"/>
+                          <a:ea typeface="Courier" charset="0"/>
+                          <a:cs typeface="Courier" charset="0"/>
+                        </a:rPr>
+                        <a:t>this</a:t>
+                      </a:r>
+                      <a:r>
+                        <a:rPr lang="en-US" sz="1200">
+                          <a:latin typeface="Courier" charset="0"/>
+                          <a:ea typeface="Courier" charset="0"/>
+                          <a:cs typeface="Courier" charset="0"/>
+                        </a:rPr>
+                        <a:t>._contents</a:t>
+                      </a:r>
+                      <a:r>
+                        <a:rPr lang="en-US" sz="1200" baseline="0">
+                          <a:latin typeface="Courier" charset="0"/>
+                          <a:ea typeface="Courier" charset="0"/>
+                          <a:cs typeface="Courier" charset="0"/>
+                        </a:rPr>
+                        <a:t> = {} }</a:t>
+                      </a:r>
+                      <a:endParaRPr lang="en-US" sz="1200">
+                        <a:latin typeface="Courier" charset="0"/>
+                        <a:ea typeface="Courier" charset="0"/>
+                        <a:cs typeface="Courier" charset="0"/>
+                      </a:endParaRPr>
+                    </a:p>
+                  </a:txBody>
+                  <a:tcPr marL="54000" marR="54000" marT="27000" marB="28800" anchor="ctr">
+                    <a:lnL>
+                      <a:noFill/>
+                    </a:lnL>
+                    <a:lnR>
+                      <a:noFill/>
+                    </a:lnR>
+                    <a:lnT>
+                      <a:noFill/>
+                    </a:lnT>
+                    <a:lnB>
+                      <a:noFill/>
+                    </a:lnB>
+                    <a:lnTlToBr w="12700" cmpd="sng">
+                      <a:noFill/>
+                      <a:prstDash val="solid"/>
+                    </a:lnTlToBr>
+                    <a:lnBlToTr w="12700" cmpd="sng">
+                      <a:noFill/>
+                      <a:prstDash val="solid"/>
+                    </a:lnBlToTr>
+                  </a:tcPr>
+                </a:tc>
+              </a:tr>
+              <a:tr h="0">
+                <a:tc>
+                  <a:txBody>
+                    <a:bodyPr/>
+                    <a:lstStyle/>
+                    <a:p>
+                      <a:pPr algn="r"/>
+                      <a:r>
+                        <a:rPr lang="en-US" sz="1000">
+                          <a:solidFill>
+                            <a:srgbClr val="01518B"/>
+                          </a:solidFill>
+                          <a:latin typeface="Courier" charset="0"/>
+                          <a:ea typeface="Courier" charset="0"/>
+                          <a:cs typeface="Courier" charset="0"/>
+                        </a:rPr>
+                        <a:t>2</a:t>
+                      </a:r>
+                    </a:p>
+                  </a:txBody>
+                  <a:tcPr marL="54000" marR="54000" marT="27000" marB="28800" anchor="ctr">
+                    <a:lnL>
+                      <a:noFill/>
+                    </a:lnL>
+                    <a:lnR>
+                      <a:noFill/>
+                    </a:lnR>
+                    <a:lnT>
+                      <a:noFill/>
+                    </a:lnT>
+                    <a:lnB>
+                      <a:noFill/>
+                    </a:lnB>
+                    <a:lnTlToBr w="12700" cmpd="sng">
+                      <a:noFill/>
+                      <a:prstDash val="solid"/>
+                    </a:lnTlToBr>
+                    <a:lnBlToTr w="12700" cmpd="sng">
+                      <a:noFill/>
+                      <a:prstDash val="solid"/>
+                    </a:lnBlToTr>
+                  </a:tcPr>
+                </a:tc>
+                <a:tc>
+                  <a:txBody>
+                    <a:bodyPr/>
+                    <a:lstStyle/>
+                    <a:p>
+                      <a:endParaRPr lang="en-US" sz="1200">
+                        <a:latin typeface="Courier" charset="0"/>
+                        <a:ea typeface="Courier" charset="0"/>
+                        <a:cs typeface="Courier" charset="0"/>
+                      </a:endParaRPr>
+                    </a:p>
+                  </a:txBody>
+                  <a:tcPr marL="54000" marR="54000" marT="27000" marB="28800" anchor="ctr">
+                    <a:lnL>
+                      <a:noFill/>
+                    </a:lnL>
+                    <a:lnR>
+                      <a:noFill/>
+                    </a:lnR>
+                    <a:lnT>
+                      <a:noFill/>
+                    </a:lnT>
+                    <a:lnB>
+                      <a:noFill/>
+                    </a:lnB>
+                    <a:lnTlToBr w="12700" cmpd="sng">
+                      <a:noFill/>
+                      <a:prstDash val="solid"/>
+                    </a:lnTlToBr>
+                    <a:lnBlToTr w="12700" cmpd="sng">
+                      <a:noFill/>
+                      <a:prstDash val="solid"/>
+                    </a:lnBlToTr>
+                  </a:tcPr>
+                </a:tc>
+              </a:tr>
+              <a:tr h="0">
+                <a:tc>
+                  <a:txBody>
+                    <a:bodyPr/>
+                    <a:lstStyle/>
+                    <a:p>
+                      <a:pPr algn="r"/>
+                      <a:r>
+                        <a:rPr lang="en-US" sz="1000">
+                          <a:solidFill>
+                            <a:srgbClr val="01518B"/>
+                          </a:solidFill>
+                          <a:latin typeface="Courier" charset="0"/>
+                          <a:ea typeface="Courier" charset="0"/>
+                          <a:cs typeface="Courier" charset="0"/>
+                        </a:rPr>
+                        <a:t>3</a:t>
+                      </a:r>
+                    </a:p>
+                  </a:txBody>
+                  <a:tcPr marL="54000" marR="54000" marT="27000" marB="28800" anchor="ctr">
+                    <a:lnL>
+                      <a:noFill/>
+                    </a:lnL>
+                    <a:lnR>
+                      <a:noFill/>
+                    </a:lnR>
+                    <a:lnT>
+                      <a:noFill/>
+                    </a:lnT>
+                    <a:lnB>
+                      <a:noFill/>
+                    </a:lnB>
+                    <a:lnTlToBr w="12700" cmpd="sng">
+                      <a:noFill/>
+                      <a:prstDash val="solid"/>
+                    </a:lnTlToBr>
+                    <a:lnBlToTr w="12700" cmpd="sng">
+                      <a:noFill/>
+                      <a:prstDash val="solid"/>
+                    </a:lnBlToTr>
+                  </a:tcPr>
+                </a:tc>
+                <a:tc>
+                  <a:txBody>
+                    <a:bodyPr/>
+                    <a:lstStyle/>
+                    <a:p>
+                      <a:r>
+                        <a:rPr lang="en-US" sz="1200">
+                          <a:latin typeface="Courier" charset="0"/>
+                          <a:ea typeface="Courier" charset="0"/>
+                          <a:cs typeface="Courier" charset="0"/>
+                        </a:rPr>
+                        <a:t>Map.prototype.get = </a:t>
+                      </a:r>
+                      <a:r>
+                        <a:rPr lang="en-US" sz="1200">
+                          <a:solidFill>
+                            <a:srgbClr val="7030A0"/>
+                          </a:solidFill>
+                          <a:latin typeface="Courier" charset="0"/>
+                          <a:ea typeface="Courier" charset="0"/>
+                          <a:cs typeface="Courier" charset="0"/>
+                        </a:rPr>
+                        <a:t>function</a:t>
+                      </a:r>
+                      <a:r>
+                        <a:rPr lang="en-US" sz="1200">
+                          <a:latin typeface="Courier" charset="0"/>
+                          <a:ea typeface="Courier" charset="0"/>
+                          <a:cs typeface="Courier" charset="0"/>
+                        </a:rPr>
+                        <a:t> (k) {</a:t>
+                      </a:r>
+                    </a:p>
+                  </a:txBody>
+                  <a:tcPr marL="54000" marR="54000" marT="27000" marB="28800" anchor="ctr">
+                    <a:lnL>
+                      <a:noFill/>
+                    </a:lnL>
+                    <a:lnR>
+                      <a:noFill/>
+                    </a:lnR>
+                    <a:lnT>
+                      <a:noFill/>
+                    </a:lnT>
+                    <a:lnB>
+                      <a:noFill/>
+                    </a:lnB>
+                    <a:lnTlToBr w="12700" cmpd="sng">
+                      <a:noFill/>
+                      <a:prstDash val="solid"/>
+                    </a:lnTlToBr>
+                    <a:lnBlToTr w="12700" cmpd="sng">
+                      <a:noFill/>
+                      <a:prstDash val="solid"/>
+                    </a:lnBlToTr>
+                  </a:tcPr>
+                </a:tc>
+              </a:tr>
+              <a:tr h="0">
+                <a:tc>
+                  <a:txBody>
+                    <a:bodyPr/>
+                    <a:lstStyle/>
+                    <a:p>
+                      <a:pPr algn="r"/>
+                      <a:r>
+                        <a:rPr lang="en-US" sz="1000">
+                          <a:solidFill>
+                            <a:srgbClr val="01518B"/>
+                          </a:solidFill>
+                          <a:latin typeface="Courier" charset="0"/>
+                          <a:ea typeface="Courier" charset="0"/>
+                          <a:cs typeface="Courier" charset="0"/>
+                        </a:rPr>
+                        <a:t>4</a:t>
+                      </a:r>
+                    </a:p>
+                  </a:txBody>
+                  <a:tcPr marL="54000" marR="54000" marT="27000" marB="28800" anchor="ctr">
+                    <a:lnL>
+                      <a:noFill/>
+                    </a:lnL>
+                    <a:lnR>
+                      <a:noFill/>
+                    </a:lnR>
+                    <a:lnT>
+                      <a:noFill/>
+                    </a:lnT>
+                    <a:lnB>
+                      <a:noFill/>
+                    </a:lnB>
+                    <a:lnTlToBr w="12700" cmpd="sng">
+                      <a:noFill/>
+                      <a:prstDash val="solid"/>
+                    </a:lnTlToBr>
+                    <a:lnBlToTr w="12700" cmpd="sng">
+                      <a:noFill/>
+                      <a:prstDash val="solid"/>
+                    </a:lnBlToTr>
+                  </a:tcPr>
+                </a:tc>
+                <a:tc>
+                  <a:txBody>
+                    <a:bodyPr/>
+                    <a:lstStyle/>
+                    <a:p>
+                      <a:r>
+                        <a:rPr lang="en-US" sz="1200">
+                          <a:latin typeface="Courier" charset="0"/>
+                          <a:ea typeface="Courier" charset="0"/>
+                          <a:cs typeface="Courier" charset="0"/>
+                        </a:rPr>
+                        <a:t>  </a:t>
+                      </a:r>
+                      <a:r>
+                        <a:rPr lang="en-US" sz="1200">
+                          <a:solidFill>
+                            <a:srgbClr val="7030A0"/>
+                          </a:solidFill>
+                          <a:latin typeface="Courier" charset="0"/>
+                          <a:ea typeface="Courier" charset="0"/>
+                          <a:cs typeface="Courier" charset="0"/>
+                        </a:rPr>
+                        <a:t>var</a:t>
+                      </a:r>
+                      <a:r>
+                        <a:rPr lang="en-US" sz="1200" baseline="0">
+                          <a:solidFill>
+                            <a:srgbClr val="7030A0"/>
+                          </a:solidFill>
+                          <a:latin typeface="Courier" charset="0"/>
+                          <a:ea typeface="Courier" charset="0"/>
+                          <a:cs typeface="Courier" charset="0"/>
+                        </a:rPr>
+                        <a:t> </a:t>
+                      </a:r>
+                      <a:r>
+                        <a:rPr lang="en-US" sz="1200" baseline="0">
+                          <a:latin typeface="Courier" charset="0"/>
+                          <a:ea typeface="Courier" charset="0"/>
+                          <a:cs typeface="Courier" charset="0"/>
+                        </a:rPr>
+                        <a:t>c = </a:t>
+                      </a:r>
+                      <a:r>
+                        <a:rPr lang="en-US" sz="1200" baseline="0">
+                          <a:solidFill>
+                            <a:srgbClr val="0070C0"/>
+                          </a:solidFill>
+                          <a:latin typeface="Courier" charset="0"/>
+                          <a:ea typeface="Courier" charset="0"/>
+                          <a:cs typeface="Courier" charset="0"/>
+                        </a:rPr>
+                        <a:t>this</a:t>
+                      </a:r>
+                      <a:r>
+                        <a:rPr lang="en-US" sz="1200" baseline="0">
+                          <a:latin typeface="Courier" charset="0"/>
+                          <a:ea typeface="Courier" charset="0"/>
+                          <a:cs typeface="Courier" charset="0"/>
+                        </a:rPr>
+                        <a:t>._contents;</a:t>
+                      </a:r>
+                      <a:endParaRPr lang="en-US" sz="1200">
+                        <a:latin typeface="Courier" charset="0"/>
+                        <a:ea typeface="Courier" charset="0"/>
+                        <a:cs typeface="Courier" charset="0"/>
+                      </a:endParaRPr>
+                    </a:p>
+                  </a:txBody>
+                  <a:tcPr marL="54000" marR="54000" marT="27000" marB="28800" anchor="ctr">
+                    <a:lnL>
+                      <a:noFill/>
+                    </a:lnL>
+                    <a:lnR>
+                      <a:noFill/>
+                    </a:lnR>
+                    <a:lnT>
+                      <a:noFill/>
+                    </a:lnT>
+                    <a:lnB>
+                      <a:noFill/>
+                    </a:lnB>
+                    <a:lnTlToBr w="12700" cmpd="sng">
+                      <a:noFill/>
+                      <a:prstDash val="solid"/>
+                    </a:lnTlToBr>
+                    <a:lnBlToTr w="12700" cmpd="sng">
+                      <a:noFill/>
+                      <a:prstDash val="solid"/>
+                    </a:lnBlToTr>
+                  </a:tcPr>
+                </a:tc>
+              </a:tr>
+              <a:tr h="0">
+                <a:tc>
+                  <a:txBody>
+                    <a:bodyPr/>
+                    <a:lstStyle/>
+                    <a:p>
+                      <a:pPr algn="r"/>
+                      <a:r>
+                        <a:rPr lang="en-US" sz="1000">
+                          <a:solidFill>
+                            <a:srgbClr val="01518B"/>
+                          </a:solidFill>
+                          <a:latin typeface="Courier" charset="0"/>
+                          <a:ea typeface="Courier" charset="0"/>
+                          <a:cs typeface="Courier" charset="0"/>
+                        </a:rPr>
+                        <a:t>5</a:t>
+                      </a:r>
+                    </a:p>
+                  </a:txBody>
+                  <a:tcPr marL="54000" marR="54000" marT="27000" marB="28800" anchor="ctr">
+                    <a:lnL>
+                      <a:noFill/>
+                    </a:lnL>
+                    <a:lnR>
+                      <a:noFill/>
+                    </a:lnR>
+                    <a:lnT>
+                      <a:noFill/>
+                    </a:lnT>
+                    <a:lnB>
+                      <a:noFill/>
+                    </a:lnB>
+                    <a:lnTlToBr w="12700" cmpd="sng">
+                      <a:noFill/>
+                      <a:prstDash val="solid"/>
+                    </a:lnTlToBr>
+                    <a:lnBlToTr w="12700" cmpd="sng">
+                      <a:noFill/>
+                      <a:prstDash val="solid"/>
+                    </a:lnBlToTr>
+                  </a:tcPr>
+                </a:tc>
+                <a:tc>
+                  <a:txBody>
+                    <a:bodyPr/>
+                    <a:lstStyle/>
+                    <a:p>
+                      <a:r>
+                        <a:rPr lang="en-US" sz="1200">
+                          <a:latin typeface="Courier" charset="0"/>
+                          <a:ea typeface="Courier" charset="0"/>
+                          <a:cs typeface="Courier" charset="0"/>
+                        </a:rPr>
+                        <a:t>  </a:t>
+                      </a:r>
+                      <a:r>
+                        <a:rPr lang="en-US" sz="1200">
+                          <a:solidFill>
+                            <a:srgbClr val="7030A0"/>
+                          </a:solidFill>
+                          <a:latin typeface="Courier" charset="0"/>
+                          <a:ea typeface="Courier" charset="0"/>
+                          <a:cs typeface="Courier" charset="0"/>
+                        </a:rPr>
+                        <a:t>return</a:t>
+                      </a:r>
+                      <a:r>
+                        <a:rPr lang="en-US" sz="1200">
+                          <a:latin typeface="Courier" charset="0"/>
+                          <a:ea typeface="Courier" charset="0"/>
+                          <a:cs typeface="Courier" charset="0"/>
+                        </a:rPr>
+                        <a:t> ((c.hasOwnProperty(k) ? c[k] : </a:t>
+                      </a:r>
+                      <a:r>
+                        <a:rPr lang="en-US" sz="1200">
+                          <a:solidFill>
+                            <a:srgbClr val="00B050"/>
+                          </a:solidFill>
+                          <a:latin typeface="Courier" charset="0"/>
+                          <a:ea typeface="Courier" charset="0"/>
+                          <a:cs typeface="Courier" charset="0"/>
+                        </a:rPr>
+                        <a:t>null</a:t>
+                      </a:r>
+                      <a:r>
+                        <a:rPr lang="en-US" sz="1200">
+                          <a:latin typeface="Courier" charset="0"/>
+                          <a:ea typeface="Courier" charset="0"/>
+                          <a:cs typeface="Courier" charset="0"/>
+                        </a:rPr>
+                        <a:t>)</a:t>
+                      </a:r>
+                    </a:p>
+                  </a:txBody>
+                  <a:tcPr marL="54000" marR="54000" marT="27000" marB="28800" anchor="ctr">
+                    <a:lnL>
+                      <a:noFill/>
+                    </a:lnL>
+                    <a:lnR>
+                      <a:noFill/>
+                    </a:lnR>
+                    <a:lnT>
+                      <a:noFill/>
+                    </a:lnT>
+                    <a:lnB>
+                      <a:noFill/>
+                    </a:lnB>
+                    <a:lnTlToBr w="12700" cmpd="sng">
+                      <a:noFill/>
+                      <a:prstDash val="solid"/>
+                    </a:lnTlToBr>
+                    <a:lnBlToTr w="12700" cmpd="sng">
+                      <a:noFill/>
+                      <a:prstDash val="solid"/>
+                    </a:lnBlToTr>
+                  </a:tcPr>
+                </a:tc>
+              </a:tr>
+              <a:tr h="0">
+                <a:tc>
+                  <a:txBody>
+                    <a:bodyPr/>
+                    <a:lstStyle/>
+                    <a:p>
+                      <a:pPr algn="r"/>
+                      <a:r>
+                        <a:rPr lang="en-US" sz="1000">
+                          <a:solidFill>
+                            <a:srgbClr val="01518B"/>
+                          </a:solidFill>
+                          <a:latin typeface="Courier" charset="0"/>
+                          <a:ea typeface="Courier" charset="0"/>
+                          <a:cs typeface="Courier" charset="0"/>
+                        </a:rPr>
+                        <a:t>6</a:t>
+                      </a:r>
+                    </a:p>
+                  </a:txBody>
+                  <a:tcPr marL="54000" marR="54000" marT="27000" marB="28800" anchor="ctr">
+                    <a:lnL>
+                      <a:noFill/>
+                    </a:lnL>
+                    <a:lnR>
+                      <a:noFill/>
+                    </a:lnR>
+                    <a:lnT>
+                      <a:noFill/>
+                    </a:lnT>
+                    <a:lnB>
+                      <a:noFill/>
+                    </a:lnB>
+                    <a:lnTlToBr w="12700" cmpd="sng">
+                      <a:noFill/>
+                      <a:prstDash val="solid"/>
+                    </a:lnTlToBr>
+                    <a:lnBlToTr w="12700" cmpd="sng">
+                      <a:noFill/>
+                      <a:prstDash val="solid"/>
+                    </a:lnBlToTr>
+                  </a:tcPr>
+                </a:tc>
+                <a:tc>
+                  <a:txBody>
+                    <a:bodyPr/>
+                    <a:lstStyle/>
+                    <a:p>
+                      <a:r>
+                        <a:rPr lang="en-US" sz="1200">
+                          <a:latin typeface="Courier" charset="0"/>
+                          <a:ea typeface="Courier" charset="0"/>
+                          <a:cs typeface="Courier" charset="0"/>
+                        </a:rPr>
+                        <a:t>}</a:t>
+                      </a:r>
+                    </a:p>
+                  </a:txBody>
+                  <a:tcPr marL="54000" marR="54000" marT="27000" marB="28800" anchor="ctr">
+                    <a:lnL>
+                      <a:noFill/>
+                    </a:lnL>
+                    <a:lnR>
+                      <a:noFill/>
+                    </a:lnR>
+                    <a:lnT>
+                      <a:noFill/>
+                    </a:lnT>
+                    <a:lnB>
+                      <a:noFill/>
+                    </a:lnB>
+                    <a:lnTlToBr w="12700" cmpd="sng">
+                      <a:noFill/>
+                      <a:prstDash val="solid"/>
+                    </a:lnTlToBr>
+                    <a:lnBlToTr w="12700" cmpd="sng">
+                      <a:noFill/>
+                      <a:prstDash val="solid"/>
+                    </a:lnBlToTr>
+                  </a:tcPr>
+                </a:tc>
+              </a:tr>
+              <a:tr h="0">
+                <a:tc>
+                  <a:txBody>
+                    <a:bodyPr/>
+                    <a:lstStyle/>
+                    <a:p>
+                      <a:pPr algn="r"/>
+                      <a:r>
+                        <a:rPr lang="en-US" sz="1000">
+                          <a:solidFill>
+                            <a:srgbClr val="01518B"/>
+                          </a:solidFill>
+                          <a:latin typeface="Courier" charset="0"/>
+                          <a:ea typeface="Courier" charset="0"/>
+                          <a:cs typeface="Courier" charset="0"/>
+                        </a:rPr>
+                        <a:t>7</a:t>
+                      </a:r>
+                    </a:p>
+                  </a:txBody>
+                  <a:tcPr marL="54000" marR="54000" marT="27000" marB="28800" anchor="ctr">
+                    <a:lnL>
+                      <a:noFill/>
+                    </a:lnL>
+                    <a:lnR>
+                      <a:noFill/>
+                    </a:lnR>
+                    <a:lnT>
+                      <a:noFill/>
+                    </a:lnT>
+                    <a:lnB>
+                      <a:noFill/>
+                    </a:lnB>
+                    <a:lnTlToBr w="12700" cmpd="sng">
+                      <a:noFill/>
+                      <a:prstDash val="solid"/>
+                    </a:lnTlToBr>
+                    <a:lnBlToTr w="12700" cmpd="sng">
+                      <a:noFill/>
+                      <a:prstDash val="solid"/>
+                    </a:lnBlToTr>
+                  </a:tcPr>
+                </a:tc>
+                <a:tc>
+                  <a:txBody>
+                    <a:bodyPr/>
+                    <a:lstStyle/>
+                    <a:p>
+                      <a:endParaRPr lang="en-US" sz="1200">
+                        <a:latin typeface="Courier" charset="0"/>
+                        <a:ea typeface="Courier" charset="0"/>
+                        <a:cs typeface="Courier" charset="0"/>
+                      </a:endParaRPr>
+                    </a:p>
+                  </a:txBody>
+                  <a:tcPr marL="54000" marR="54000" marT="27000" marB="28800" anchor="ctr">
+                    <a:lnL>
+                      <a:noFill/>
+                    </a:lnL>
+                    <a:lnR>
+                      <a:noFill/>
+                    </a:lnR>
+                    <a:lnT>
+                      <a:noFill/>
+                    </a:lnT>
+                    <a:lnB>
+                      <a:noFill/>
+                    </a:lnB>
+                    <a:lnTlToBr w="12700" cmpd="sng">
+                      <a:noFill/>
+                      <a:prstDash val="solid"/>
+                    </a:lnTlToBr>
+                    <a:lnBlToTr w="12700" cmpd="sng">
+                      <a:noFill/>
+                      <a:prstDash val="solid"/>
+                    </a:lnBlToTr>
+                  </a:tcPr>
+                </a:tc>
+              </a:tr>
+              <a:tr h="0">
+                <a:tc>
+                  <a:txBody>
+                    <a:bodyPr/>
+                    <a:lstStyle/>
+                    <a:p>
+                      <a:pPr algn="r"/>
+                      <a:r>
+                        <a:rPr lang="en-US" sz="1000">
+                          <a:solidFill>
+                            <a:srgbClr val="01518B"/>
+                          </a:solidFill>
+                          <a:latin typeface="Courier" charset="0"/>
+                          <a:ea typeface="Courier" charset="0"/>
+                          <a:cs typeface="Courier" charset="0"/>
+                        </a:rPr>
+                        <a:t>8</a:t>
+                      </a:r>
+                    </a:p>
+                  </a:txBody>
+                  <a:tcPr marL="54000" marR="54000" marT="27000" marB="28800" anchor="ctr">
+                    <a:lnL>
+                      <a:noFill/>
+                    </a:lnL>
+                    <a:lnR>
+                      <a:noFill/>
+                    </a:lnR>
+                    <a:lnT>
+                      <a:noFill/>
+                    </a:lnT>
+                    <a:lnB>
+                      <a:noFill/>
+                    </a:lnB>
+                    <a:lnTlToBr w="12700" cmpd="sng">
+                      <a:noFill/>
+                      <a:prstDash val="solid"/>
+                    </a:lnTlToBr>
+                    <a:lnBlToTr w="12700" cmpd="sng">
+                      <a:noFill/>
+                      <a:prstDash val="solid"/>
+                    </a:lnBlToTr>
+                  </a:tcPr>
+                </a:tc>
+                <a:tc>
+                  <a:txBody>
+                    <a:bodyPr/>
+                    <a:lstStyle/>
+                    <a:p>
+                      <a:r>
+                        <a:rPr lang="en-US" sz="1200">
+                          <a:latin typeface="Courier" charset="0"/>
+                          <a:ea typeface="Courier" charset="0"/>
+                          <a:cs typeface="Courier" charset="0"/>
+                        </a:rPr>
+                        <a:t>Map.prototype.put = </a:t>
+                      </a:r>
+                      <a:r>
+                        <a:rPr lang="en-US" sz="1200">
+                          <a:solidFill>
+                            <a:srgbClr val="7030A0"/>
+                          </a:solidFill>
+                          <a:latin typeface="Courier" charset="0"/>
+                          <a:ea typeface="Courier" charset="0"/>
+                          <a:cs typeface="Courier" charset="0"/>
+                        </a:rPr>
+                        <a:t>function</a:t>
+                      </a:r>
+                      <a:r>
+                        <a:rPr lang="en-US" sz="1200">
+                          <a:latin typeface="Courier" charset="0"/>
+                          <a:ea typeface="Courier" charset="0"/>
+                          <a:cs typeface="Courier" charset="0"/>
+                        </a:rPr>
+                        <a:t> (k, v) {</a:t>
+                      </a:r>
+                    </a:p>
+                  </a:txBody>
+                  <a:tcPr marL="54000" marR="54000" marT="27000" marB="28800" anchor="ctr">
+                    <a:lnL>
+                      <a:noFill/>
+                    </a:lnL>
+                    <a:lnR>
+                      <a:noFill/>
+                    </a:lnR>
+                    <a:lnT>
+                      <a:noFill/>
+                    </a:lnT>
+                    <a:lnB>
+                      <a:noFill/>
+                    </a:lnB>
+                    <a:lnTlToBr w="12700" cmpd="sng">
+                      <a:noFill/>
+                      <a:prstDash val="solid"/>
+                    </a:lnTlToBr>
+                    <a:lnBlToTr w="12700" cmpd="sng">
+                      <a:noFill/>
+                      <a:prstDash val="solid"/>
+                    </a:lnBlToTr>
+                  </a:tcPr>
+                </a:tc>
+              </a:tr>
+              <a:tr h="0">
+                <a:tc>
+                  <a:txBody>
+                    <a:bodyPr/>
+                    <a:lstStyle/>
+                    <a:p>
+                      <a:pPr algn="r"/>
+                      <a:r>
+                        <a:rPr lang="en-US" sz="1000">
+                          <a:solidFill>
+                            <a:srgbClr val="01518B"/>
+                          </a:solidFill>
+                          <a:latin typeface="Courier" charset="0"/>
+                          <a:ea typeface="Courier" charset="0"/>
+                          <a:cs typeface="Courier" charset="0"/>
+                        </a:rPr>
+                        <a:t>9</a:t>
+                      </a:r>
+                    </a:p>
+                  </a:txBody>
+                  <a:tcPr marL="54000" marR="54000" marT="27000" marB="28800" anchor="ctr">
+                    <a:lnL>
+                      <a:noFill/>
+                    </a:lnL>
+                    <a:lnR>
+                      <a:noFill/>
+                    </a:lnR>
+                    <a:lnT>
+                      <a:noFill/>
+                    </a:lnT>
+                    <a:lnB>
+                      <a:noFill/>
+                    </a:lnB>
+                    <a:lnTlToBr w="12700" cmpd="sng">
+                      <a:noFill/>
+                      <a:prstDash val="solid"/>
+                    </a:lnTlToBr>
+                    <a:lnBlToTr w="12700" cmpd="sng">
+                      <a:noFill/>
+                      <a:prstDash val="solid"/>
+                    </a:lnBlToTr>
+                  </a:tcPr>
+                </a:tc>
+                <a:tc>
+                  <a:txBody>
+                    <a:bodyPr/>
+                    <a:lstStyle/>
+                    <a:p>
+                      <a:r>
+                        <a:rPr lang="en-US" sz="1200">
+                          <a:latin typeface="Courier" charset="0"/>
+                          <a:ea typeface="Courier" charset="0"/>
+                          <a:cs typeface="Courier" charset="0"/>
+                        </a:rPr>
+                        <a:t>  </a:t>
+                      </a:r>
+                      <a:r>
+                        <a:rPr lang="en-US" sz="1200">
+                          <a:solidFill>
+                            <a:srgbClr val="7030A0"/>
+                          </a:solidFill>
+                          <a:latin typeface="Courier" charset="0"/>
+                          <a:ea typeface="Courier" charset="0"/>
+                          <a:cs typeface="Courier" charset="0"/>
+                        </a:rPr>
+                        <a:t>if (</a:t>
+                      </a:r>
+                      <a:r>
+                        <a:rPr lang="en-US" sz="1200">
+                          <a:solidFill>
+                            <a:schemeClr val="accent2"/>
+                          </a:solidFill>
+                          <a:latin typeface="Courier" charset="0"/>
+                          <a:ea typeface="Courier" charset="0"/>
+                          <a:cs typeface="Courier" charset="0"/>
+                        </a:rPr>
+                        <a:t>this</a:t>
+                      </a:r>
+                      <a:r>
+                        <a:rPr lang="en-US" sz="1200">
+                          <a:solidFill>
+                            <a:schemeClr val="tx1"/>
+                          </a:solidFill>
+                          <a:latin typeface="Courier" charset="0"/>
+                          <a:ea typeface="Courier" charset="0"/>
+                          <a:cs typeface="Courier" charset="0"/>
+                        </a:rPr>
+                        <a:t>.validKey(k)) {</a:t>
+                      </a:r>
+                      <a:endParaRPr lang="en-US" sz="1200">
+                        <a:latin typeface="Courier" charset="0"/>
+                        <a:ea typeface="Courier" charset="0"/>
+                        <a:cs typeface="Courier" charset="0"/>
+                      </a:endParaRPr>
+                    </a:p>
+                  </a:txBody>
+                  <a:tcPr marL="54000" marR="54000" marT="27000" marB="28800" anchor="ctr">
+                    <a:lnL>
+                      <a:noFill/>
+                    </a:lnL>
+                    <a:lnR>
+                      <a:noFill/>
+                    </a:lnR>
+                    <a:lnT>
+                      <a:noFill/>
+                    </a:lnT>
+                    <a:lnB>
+                      <a:noFill/>
+                    </a:lnB>
+                    <a:lnTlToBr w="12700" cmpd="sng">
+                      <a:noFill/>
+                      <a:prstDash val="solid"/>
+                    </a:lnTlToBr>
+                    <a:lnBlToTr w="12700" cmpd="sng">
+                      <a:noFill/>
+                      <a:prstDash val="solid"/>
+                    </a:lnBlToTr>
+                  </a:tcPr>
+                </a:tc>
+              </a:tr>
+              <a:tr h="0">
+                <a:tc>
+                  <a:txBody>
+                    <a:bodyPr/>
+                    <a:lstStyle/>
+                    <a:p>
+                      <a:pPr algn="r"/>
+                      <a:r>
+                        <a:rPr lang="en-US" sz="1000">
+                          <a:solidFill>
+                            <a:srgbClr val="01518B"/>
+                          </a:solidFill>
+                          <a:latin typeface="Courier" charset="0"/>
+                          <a:ea typeface="Courier" charset="0"/>
+                          <a:cs typeface="Courier" charset="0"/>
+                        </a:rPr>
+                        <a:t>10</a:t>
+                      </a:r>
+                    </a:p>
+                  </a:txBody>
+                  <a:tcPr marL="54000" marR="54000" marT="27000" marB="28800" anchor="ctr">
+                    <a:lnL>
+                      <a:noFill/>
+                    </a:lnL>
+                    <a:lnR>
+                      <a:noFill/>
+                    </a:lnR>
+                    <a:lnT>
+                      <a:noFill/>
+                    </a:lnT>
+                    <a:lnB>
+                      <a:noFill/>
+                    </a:lnB>
+                    <a:lnTlToBr w="12700" cmpd="sng">
+                      <a:noFill/>
+                      <a:prstDash val="solid"/>
+                    </a:lnTlToBr>
+                    <a:lnBlToTr w="12700" cmpd="sng">
+                      <a:noFill/>
+                      <a:prstDash val="solid"/>
+                    </a:lnBlToTr>
+                  </a:tcPr>
+                </a:tc>
+                <a:tc>
+                  <a:txBody>
+                    <a:bodyPr/>
+                    <a:lstStyle/>
+                    <a:p>
+                      <a:r>
+                        <a:rPr lang="en-US" sz="1200" baseline="0">
+                          <a:latin typeface="Courier" charset="0"/>
+                          <a:ea typeface="Courier" charset="0"/>
+                          <a:cs typeface="Courier" charset="0"/>
+                        </a:rPr>
+                        <a:t>    </a:t>
+                      </a:r>
+                      <a:r>
+                        <a:rPr lang="en-US" sz="1200" baseline="0">
+                          <a:solidFill>
+                            <a:srgbClr val="0070C0"/>
+                          </a:solidFill>
+                          <a:latin typeface="Courier" charset="0"/>
+                          <a:ea typeface="Courier" charset="0"/>
+                          <a:cs typeface="Courier" charset="0"/>
+                        </a:rPr>
+                        <a:t>this</a:t>
+                      </a:r>
+                      <a:r>
+                        <a:rPr lang="en-US" sz="1200" baseline="0">
+                          <a:latin typeface="Courier" charset="0"/>
+                          <a:ea typeface="Courier" charset="0"/>
+                          <a:cs typeface="Courier" charset="0"/>
+                        </a:rPr>
+                        <a:t>._contents[k] = v</a:t>
+                      </a:r>
+                      <a:endParaRPr lang="en-US" sz="1200">
+                        <a:latin typeface="Courier" charset="0"/>
+                        <a:ea typeface="Courier" charset="0"/>
+                        <a:cs typeface="Courier" charset="0"/>
+                      </a:endParaRPr>
+                    </a:p>
+                  </a:txBody>
+                  <a:tcPr marL="54000" marR="54000" marT="27000" marB="28800" anchor="ctr">
+                    <a:lnL>
+                      <a:noFill/>
+                    </a:lnL>
+                    <a:lnR>
+                      <a:noFill/>
+                    </a:lnR>
+                    <a:lnT>
+                      <a:noFill/>
+                    </a:lnT>
+                    <a:lnB>
+                      <a:noFill/>
+                    </a:lnB>
+                    <a:lnTlToBr w="12700" cmpd="sng">
+                      <a:noFill/>
+                      <a:prstDash val="solid"/>
+                    </a:lnTlToBr>
+                    <a:lnBlToTr w="12700" cmpd="sng">
+                      <a:noFill/>
+                      <a:prstDash val="solid"/>
+                    </a:lnBlToTr>
+                  </a:tcPr>
+                </a:tc>
+              </a:tr>
+              <a:tr h="118004">
+                <a:tc>
+                  <a:txBody>
+                    <a:bodyPr/>
+                    <a:lstStyle/>
+                    <a:p>
+                      <a:pPr algn="r"/>
+                      <a:r>
+                        <a:rPr lang="en-US" sz="1000">
+                          <a:solidFill>
+                            <a:srgbClr val="01518B"/>
+                          </a:solidFill>
+                          <a:latin typeface="Courier" charset="0"/>
+                          <a:ea typeface="Courier" charset="0"/>
+                          <a:cs typeface="Courier" charset="0"/>
+                        </a:rPr>
+                        <a:t>11</a:t>
+                      </a:r>
+                    </a:p>
+                  </a:txBody>
+                  <a:tcPr marL="54000" marR="54000" marT="27000" marB="28800" anchor="ctr">
+                    <a:lnL>
+                      <a:noFill/>
+                    </a:lnL>
+                    <a:lnR>
+                      <a:noFill/>
+                    </a:lnR>
+                    <a:lnT>
+                      <a:noFill/>
+                    </a:lnT>
+                    <a:lnB>
+                      <a:noFill/>
+                    </a:lnB>
+                    <a:lnTlToBr w="12700" cmpd="sng">
+                      <a:noFill/>
+                      <a:prstDash val="solid"/>
+                    </a:lnTlToBr>
+                    <a:lnBlToTr w="12700" cmpd="sng">
+                      <a:noFill/>
+                      <a:prstDash val="solid"/>
+                    </a:lnBlToTr>
+                  </a:tcPr>
+                </a:tc>
+                <a:tc>
+                  <a:txBody>
+                    <a:bodyPr/>
+                    <a:lstStyle/>
+                    <a:p>
+                      <a:r>
+                        <a:rPr lang="en-US" sz="1200">
+                          <a:latin typeface="Courier" charset="0"/>
+                          <a:ea typeface="Courier" charset="0"/>
+                          <a:cs typeface="Courier" charset="0"/>
+                        </a:rPr>
+                        <a:t>  } </a:t>
+                      </a:r>
+                      <a:r>
+                        <a:rPr lang="en-US" sz="1200">
+                          <a:solidFill>
+                            <a:srgbClr val="7030A0"/>
+                          </a:solidFill>
+                          <a:latin typeface="Courier" charset="0"/>
+                          <a:ea typeface="Courier" charset="0"/>
+                          <a:cs typeface="Courier" charset="0"/>
+                        </a:rPr>
+                        <a:t>else throw new</a:t>
+                      </a:r>
+                      <a:r>
+                        <a:rPr lang="en-US" sz="1200">
+                          <a:latin typeface="Courier" charset="0"/>
+                          <a:ea typeface="Courier" charset="0"/>
+                          <a:cs typeface="Courier" charset="0"/>
+                        </a:rPr>
+                        <a:t> Error(</a:t>
+                      </a:r>
+                      <a:r>
+                        <a:rPr lang="en-US" sz="1200">
+                          <a:solidFill>
+                            <a:srgbClr val="00B050"/>
+                          </a:solidFill>
+                          <a:latin typeface="Courier" charset="0"/>
+                          <a:ea typeface="Courier" charset="0"/>
+                          <a:cs typeface="Courier" charset="0"/>
+                        </a:rPr>
+                        <a:t>“Invalid</a:t>
+                      </a:r>
+                      <a:r>
+                        <a:rPr lang="en-US" sz="1200" baseline="0">
+                          <a:solidFill>
+                            <a:srgbClr val="00B050"/>
+                          </a:solidFill>
+                          <a:latin typeface="Courier" charset="0"/>
+                          <a:ea typeface="Courier" charset="0"/>
+                          <a:cs typeface="Courier" charset="0"/>
+                        </a:rPr>
+                        <a:t> key”</a:t>
+                      </a:r>
+                      <a:r>
+                        <a:rPr lang="en-US" sz="1200" baseline="0">
+                          <a:latin typeface="Courier" charset="0"/>
+                          <a:ea typeface="Courier" charset="0"/>
+                          <a:cs typeface="Courier" charset="0"/>
+                        </a:rPr>
+                        <a:t>)</a:t>
+                      </a:r>
+                      <a:endParaRPr lang="en-US" sz="1200">
+                        <a:solidFill>
+                          <a:srgbClr val="7030A0"/>
+                        </a:solidFill>
+                        <a:latin typeface="Courier" charset="0"/>
+                        <a:ea typeface="Courier" charset="0"/>
+                        <a:cs typeface="Courier" charset="0"/>
+                      </a:endParaRPr>
+                    </a:p>
+                  </a:txBody>
+                  <a:tcPr marL="54000" marR="54000" marT="27000" marB="28800" anchor="ctr">
+                    <a:lnL>
+                      <a:noFill/>
+                    </a:lnL>
+                    <a:lnR>
+                      <a:noFill/>
+                    </a:lnR>
+                    <a:lnT>
+                      <a:noFill/>
+                    </a:lnT>
+                    <a:lnB>
+                      <a:noFill/>
+                    </a:lnB>
+                    <a:lnTlToBr w="12700" cmpd="sng">
+                      <a:noFill/>
+                      <a:prstDash val="solid"/>
+                    </a:lnTlToBr>
+                    <a:lnBlToTr w="12700" cmpd="sng">
+                      <a:noFill/>
+                      <a:prstDash val="solid"/>
+                    </a:lnBlToTr>
+                  </a:tcPr>
+                </a:tc>
+              </a:tr>
+              <a:tr h="0">
+                <a:tc>
+                  <a:txBody>
+                    <a:bodyPr/>
+                    <a:lstStyle/>
+                    <a:p>
+                      <a:pPr algn="r"/>
+                      <a:r>
+                        <a:rPr lang="en-US" sz="1000">
+                          <a:solidFill>
+                            <a:srgbClr val="01518B"/>
+                          </a:solidFill>
+                          <a:latin typeface="Courier" charset="0"/>
+                          <a:ea typeface="Courier" charset="0"/>
+                          <a:cs typeface="Courier" charset="0"/>
+                        </a:rPr>
+                        <a:t>12</a:t>
+                      </a:r>
+                    </a:p>
+                  </a:txBody>
+                  <a:tcPr marL="54000" marR="54000" marT="27000" marB="28800" anchor="ctr">
+                    <a:lnL>
+                      <a:noFill/>
+                    </a:lnL>
+                    <a:lnR>
+                      <a:noFill/>
+                    </a:lnR>
+                    <a:lnT>
+                      <a:noFill/>
+                    </a:lnT>
+                    <a:lnB>
+                      <a:noFill/>
+                    </a:lnB>
+                    <a:lnTlToBr w="12700" cmpd="sng">
+                      <a:noFill/>
+                      <a:prstDash val="solid"/>
+                    </a:lnTlToBr>
+                    <a:lnBlToTr w="12700" cmpd="sng">
+                      <a:noFill/>
+                      <a:prstDash val="solid"/>
+                    </a:lnBlToTr>
+                  </a:tcPr>
+                </a:tc>
+                <a:tc>
+                  <a:txBody>
+                    <a:bodyPr/>
+                    <a:lstStyle/>
+                    <a:p>
+                      <a:r>
+                        <a:rPr lang="en-US" sz="1200">
+                          <a:latin typeface="Courier" charset="0"/>
+                          <a:ea typeface="Courier" charset="0"/>
+                          <a:cs typeface="Courier" charset="0"/>
+                        </a:rPr>
+                        <a:t>}</a:t>
+                      </a:r>
+                    </a:p>
+                  </a:txBody>
+                  <a:tcPr marL="54000" marR="54000" marT="27000" marB="28800" anchor="ctr">
+                    <a:lnL>
+                      <a:noFill/>
+                    </a:lnL>
+                    <a:lnR>
+                      <a:noFill/>
+                    </a:lnR>
+                    <a:lnT>
+                      <a:noFill/>
+                    </a:lnT>
+                    <a:lnB>
+                      <a:noFill/>
+                    </a:lnB>
+                    <a:lnTlToBr w="12700" cmpd="sng">
+                      <a:noFill/>
+                      <a:prstDash val="solid"/>
+                    </a:lnTlToBr>
+                    <a:lnBlToTr w="12700" cmpd="sng">
+                      <a:noFill/>
+                      <a:prstDash val="solid"/>
+                    </a:lnBlToTr>
+                  </a:tcPr>
+                </a:tc>
+              </a:tr>
+              <a:tr h="0">
+                <a:tc>
+                  <a:txBody>
+                    <a:bodyPr/>
+                    <a:lstStyle/>
+                    <a:p>
+                      <a:pPr algn="r"/>
+                      <a:r>
+                        <a:rPr lang="en-US" sz="1000">
+                          <a:solidFill>
+                            <a:srgbClr val="01518B"/>
+                          </a:solidFill>
+                          <a:latin typeface="Courier" charset="0"/>
+                          <a:ea typeface="Courier" charset="0"/>
+                          <a:cs typeface="Courier" charset="0"/>
+                        </a:rPr>
+                        <a:t>13</a:t>
+                      </a:r>
+                    </a:p>
+                  </a:txBody>
+                  <a:tcPr marL="54000" marR="54000" marT="27000" marB="28800" anchor="ctr">
+                    <a:lnL>
+                      <a:noFill/>
+                    </a:lnL>
+                    <a:lnR>
+                      <a:noFill/>
+                    </a:lnR>
+                    <a:lnT>
+                      <a:noFill/>
+                    </a:lnT>
+                    <a:lnB>
+                      <a:noFill/>
+                    </a:lnB>
+                    <a:lnTlToBr w="12700" cmpd="sng">
+                      <a:noFill/>
+                      <a:prstDash val="solid"/>
+                    </a:lnTlToBr>
+                    <a:lnBlToTr w="12700" cmpd="sng">
+                      <a:noFill/>
+                      <a:prstDash val="solid"/>
+                    </a:lnBlToTr>
+                  </a:tcPr>
+                </a:tc>
+                <a:tc>
+                  <a:txBody>
+                    <a:bodyPr/>
+                    <a:lstStyle/>
+                    <a:p>
+                      <a:endParaRPr lang="en-US" sz="1200">
+                        <a:latin typeface="Courier" charset="0"/>
+                        <a:ea typeface="Courier" charset="0"/>
+                        <a:cs typeface="Courier" charset="0"/>
+                      </a:endParaRPr>
+                    </a:p>
+                  </a:txBody>
+                  <a:tcPr marL="54000" marR="54000" marT="27000" marB="28800" anchor="ctr">
+                    <a:lnL>
+                      <a:noFill/>
+                    </a:lnL>
+                    <a:lnR>
+                      <a:noFill/>
+                    </a:lnR>
+                    <a:lnT>
+                      <a:noFill/>
+                    </a:lnT>
+                    <a:lnB>
+                      <a:noFill/>
+                    </a:lnB>
+                    <a:lnTlToBr w="12700" cmpd="sng">
+                      <a:noFill/>
+                      <a:prstDash val="solid"/>
+                    </a:lnTlToBr>
+                    <a:lnBlToTr w="12700" cmpd="sng">
+                      <a:noFill/>
+                      <a:prstDash val="solid"/>
+                    </a:lnBlToTr>
+                  </a:tcPr>
+                </a:tc>
+              </a:tr>
+              <a:tr h="0">
+                <a:tc>
+                  <a:txBody>
+                    <a:bodyPr/>
+                    <a:lstStyle/>
+                    <a:p>
+                      <a:pPr algn="r"/>
+                      <a:r>
+                        <a:rPr lang="en-US" sz="1000">
+                          <a:solidFill>
+                            <a:srgbClr val="01518B"/>
+                          </a:solidFill>
+                          <a:latin typeface="Courier" charset="0"/>
+                          <a:ea typeface="Courier" charset="0"/>
+                          <a:cs typeface="Courier" charset="0"/>
+                        </a:rPr>
+                        <a:t>14</a:t>
+                      </a:r>
+                    </a:p>
+                  </a:txBody>
+                  <a:tcPr marL="54000" marR="54000" marT="27000" marB="28800" anchor="ctr">
+                    <a:lnL>
+                      <a:noFill/>
+                    </a:lnL>
+                    <a:lnR>
+                      <a:noFill/>
+                    </a:lnR>
+                    <a:lnT>
+                      <a:noFill/>
+                    </a:lnT>
+                    <a:lnB>
+                      <a:noFill/>
+                    </a:lnB>
+                    <a:lnTlToBr w="12700" cmpd="sng">
+                      <a:noFill/>
+                      <a:prstDash val="solid"/>
+                    </a:lnTlToBr>
+                    <a:lnBlToTr w="12700" cmpd="sng">
+                      <a:noFill/>
+                      <a:prstDash val="solid"/>
+                    </a:lnBlToTr>
+                  </a:tcPr>
+                </a:tc>
+                <a:tc>
+                  <a:txBody>
+                    <a:bodyPr/>
+                    <a:lstStyle/>
+                    <a:p>
+                      <a:r>
+                        <a:rPr lang="en-US" sz="1200">
+                          <a:latin typeface="Courier" charset="0"/>
+                          <a:ea typeface="Courier" charset="0"/>
+                          <a:cs typeface="Courier" charset="0"/>
+                        </a:rPr>
+                        <a:t>Map.prototype.validKey</a:t>
+                      </a:r>
+                      <a:r>
+                        <a:rPr lang="en-US" sz="1200" baseline="0">
+                          <a:latin typeface="Courier" charset="0"/>
+                          <a:ea typeface="Courier" charset="0"/>
+                          <a:cs typeface="Courier" charset="0"/>
+                        </a:rPr>
+                        <a:t> = </a:t>
+                      </a:r>
+                      <a:r>
+                        <a:rPr lang="en-US" sz="1200" baseline="0">
+                          <a:solidFill>
+                            <a:srgbClr val="7030A0"/>
+                          </a:solidFill>
+                          <a:latin typeface="Courier" charset="0"/>
+                          <a:ea typeface="Courier" charset="0"/>
+                          <a:cs typeface="Courier" charset="0"/>
+                        </a:rPr>
+                        <a:t>function</a:t>
+                      </a:r>
+                      <a:r>
+                        <a:rPr lang="en-US" sz="1200" baseline="0">
+                          <a:latin typeface="Courier" charset="0"/>
+                          <a:ea typeface="Courier" charset="0"/>
+                          <a:cs typeface="Courier" charset="0"/>
+                        </a:rPr>
+                        <a:t> (k) { ... }</a:t>
+                      </a:r>
+                      <a:endParaRPr lang="en-US" sz="1200">
+                        <a:latin typeface="Courier" charset="0"/>
+                        <a:ea typeface="Courier" charset="0"/>
+                        <a:cs typeface="Courier" charset="0"/>
+                      </a:endParaRPr>
+                    </a:p>
+                  </a:txBody>
+                  <a:tcPr marL="54000" marR="54000" marT="27000" marB="28800" anchor="ctr">
+                    <a:lnL>
+                      <a:noFill/>
+                    </a:lnL>
+                    <a:lnR>
+                      <a:noFill/>
+                    </a:lnR>
+                    <a:lnT>
+                      <a:noFill/>
+                    </a:lnT>
+                    <a:lnB>
+                      <a:noFill/>
+                    </a:lnB>
+                    <a:lnTlToBr w="12700" cmpd="sng">
+                      <a:noFill/>
+                      <a:prstDash val="solid"/>
+                    </a:lnTlToBr>
+                    <a:lnBlToTr w="12700" cmpd="sng">
+                      <a:noFill/>
+                      <a:prstDash val="solid"/>
+                    </a:lnBlToTr>
+                  </a:tcPr>
+                </a:tc>
+              </a:tr>
+            </a:tbl>
+          </a:graphicData>
+        </a:graphic>
+      </p:graphicFrame>
+    </p:spTree>
+    <p:extLst>
+      <p:ext uri="{BB962C8B-B14F-4D97-AF65-F5344CB8AC3E}">
+        <p14:creationId xmlns:p14="http://schemas.microsoft.com/office/powerpoint/2010/main" val="1046515605"/>
       </p:ext>
     </p:extLst>
   </p:cSld>
